--- a/plantillas.pptx
+++ b/plantillas.pptx
@@ -111,6 +111,11 @@
       </a:defRPr>
     </a:lvl9pPr>
   </p:defaultTextStyle>
+  <p:extLst>
+    <p:ext uri="{EFAFB233-063F-42B5-8137-9DF3F51BA10A}">
+      <p15:sldGuideLst xmlns:p15="http://schemas.microsoft.com/office/powerpoint/2012/main"/>
+    </p:ext>
+  </p:extLst>
 </p:presentation>
 </file>
 
@@ -245,7 +250,7 @@
           <a:p>
             <a:fld id="{68A6C211-A98B-42AA-9173-4A6F7593096E}" type="datetimeFigureOut">
               <a:rPr lang="en-US" smtClean="0"/>
-              <a:t>2/5/2025</a:t>
+              <a:t>2/9/2025</a:t>
             </a:fld>
             <a:endParaRPr lang="en-US"/>
           </a:p>
@@ -415,7 +420,7 @@
           <a:p>
             <a:fld id="{68A6C211-A98B-42AA-9173-4A6F7593096E}" type="datetimeFigureOut">
               <a:rPr lang="en-US" smtClean="0"/>
-              <a:t>2/5/2025</a:t>
+              <a:t>2/9/2025</a:t>
             </a:fld>
             <a:endParaRPr lang="en-US"/>
           </a:p>
@@ -595,7 +600,7 @@
           <a:p>
             <a:fld id="{68A6C211-A98B-42AA-9173-4A6F7593096E}" type="datetimeFigureOut">
               <a:rPr lang="en-US" smtClean="0"/>
-              <a:t>2/5/2025</a:t>
+              <a:t>2/9/2025</a:t>
             </a:fld>
             <a:endParaRPr lang="en-US"/>
           </a:p>
@@ -765,7 +770,7 @@
           <a:p>
             <a:fld id="{68A6C211-A98B-42AA-9173-4A6F7593096E}" type="datetimeFigureOut">
               <a:rPr lang="en-US" smtClean="0"/>
-              <a:t>2/5/2025</a:t>
+              <a:t>2/9/2025</a:t>
             </a:fld>
             <a:endParaRPr lang="en-US"/>
           </a:p>
@@ -1011,7 +1016,7 @@
           <a:p>
             <a:fld id="{68A6C211-A98B-42AA-9173-4A6F7593096E}" type="datetimeFigureOut">
               <a:rPr lang="en-US" smtClean="0"/>
-              <a:t>2/5/2025</a:t>
+              <a:t>2/9/2025</a:t>
             </a:fld>
             <a:endParaRPr lang="en-US"/>
           </a:p>
@@ -1243,7 +1248,7 @@
           <a:p>
             <a:fld id="{68A6C211-A98B-42AA-9173-4A6F7593096E}" type="datetimeFigureOut">
               <a:rPr lang="en-US" smtClean="0"/>
-              <a:t>2/5/2025</a:t>
+              <a:t>2/9/2025</a:t>
             </a:fld>
             <a:endParaRPr lang="en-US"/>
           </a:p>
@@ -1610,7 +1615,7 @@
           <a:p>
             <a:fld id="{68A6C211-A98B-42AA-9173-4A6F7593096E}" type="datetimeFigureOut">
               <a:rPr lang="en-US" smtClean="0"/>
-              <a:t>2/5/2025</a:t>
+              <a:t>2/9/2025</a:t>
             </a:fld>
             <a:endParaRPr lang="en-US"/>
           </a:p>
@@ -1728,7 +1733,7 @@
           <a:p>
             <a:fld id="{68A6C211-A98B-42AA-9173-4A6F7593096E}" type="datetimeFigureOut">
               <a:rPr lang="en-US" smtClean="0"/>
-              <a:t>2/5/2025</a:t>
+              <a:t>2/9/2025</a:t>
             </a:fld>
             <a:endParaRPr lang="en-US"/>
           </a:p>
@@ -1823,7 +1828,7 @@
           <a:p>
             <a:fld id="{68A6C211-A98B-42AA-9173-4A6F7593096E}" type="datetimeFigureOut">
               <a:rPr lang="en-US" smtClean="0"/>
-              <a:t>2/5/2025</a:t>
+              <a:t>2/9/2025</a:t>
             </a:fld>
             <a:endParaRPr lang="en-US"/>
           </a:p>
@@ -2100,7 +2105,7 @@
           <a:p>
             <a:fld id="{68A6C211-A98B-42AA-9173-4A6F7593096E}" type="datetimeFigureOut">
               <a:rPr lang="en-US" smtClean="0"/>
-              <a:t>2/5/2025</a:t>
+              <a:t>2/9/2025</a:t>
             </a:fld>
             <a:endParaRPr lang="en-US"/>
           </a:p>
@@ -2353,7 +2358,7 @@
           <a:p>
             <a:fld id="{68A6C211-A98B-42AA-9173-4A6F7593096E}" type="datetimeFigureOut">
               <a:rPr lang="en-US" smtClean="0"/>
-              <a:t>2/5/2025</a:t>
+              <a:t>2/9/2025</a:t>
             </a:fld>
             <a:endParaRPr lang="en-US"/>
           </a:p>
@@ -2566,7 +2571,7 @@
           <a:p>
             <a:fld id="{68A6C211-A98B-42AA-9173-4A6F7593096E}" type="datetimeFigureOut">
               <a:rPr lang="en-US" smtClean="0"/>
-              <a:t>2/5/2025</a:t>
+              <a:t>2/9/2025</a:t>
             </a:fld>
             <a:endParaRPr lang="en-US"/>
           </a:p>
@@ -3055,7 +3060,19 @@
               <a:rPr lang="es-MX" sz="3200" dirty="0" smtClean="0">
                 <a:latin typeface="Arial Rounded MT Bold" panose="020F0704030504030204" pitchFamily="34" charset="0"/>
               </a:rPr>
-              <a:t>Análisis de ventas de vehículos en los Estados Unidos</a:t>
+              <a:t>Ventas </a:t>
+            </a:r>
+            <a:r>
+              <a:rPr lang="es-MX" sz="3200" dirty="0" smtClean="0">
+                <a:latin typeface="Arial Rounded MT Bold" panose="020F0704030504030204" pitchFamily="34" charset="0"/>
+              </a:rPr>
+              <a:t>de vehículos </a:t>
+            </a:r>
+            <a:r>
+              <a:rPr lang="es-MX" sz="3200" dirty="0" smtClean="0">
+                <a:latin typeface="Arial Rounded MT Bold" panose="020F0704030504030204" pitchFamily="34" charset="0"/>
+              </a:rPr>
+              <a:t>usados en EEUU</a:t>
             </a:r>
             <a:endParaRPr lang="en-US" sz="3200" dirty="0">
               <a:latin typeface="Arial Rounded MT Bold" panose="020F0704030504030204" pitchFamily="34" charset="0"/>
@@ -3111,7 +3128,16 @@
                 </a:solidFill>
                 <a:latin typeface="Arial Rounded MT Bold" panose="020F0704030504030204" pitchFamily="34" charset="0"/>
               </a:rPr>
-              <a:t>Última actualización: 06/02/2025</a:t>
+              <a:t>Última actualización: </a:t>
+            </a:r>
+            <a:r>
+              <a:rPr lang="es-MX" sz="1600" dirty="0" smtClean="0">
+                <a:solidFill>
+                  <a:srgbClr val="D8D3CC"/>
+                </a:solidFill>
+                <a:latin typeface="Arial Rounded MT Bold" panose="020F0704030504030204" pitchFamily="34" charset="0"/>
+              </a:rPr>
+              <a:t>09/02/2025</a:t>
             </a:r>
             <a:endParaRPr lang="en-US" sz="1600" dirty="0">
               <a:solidFill>
@@ -3287,7 +3313,7 @@
         </p:nvSpPr>
         <p:spPr>
           <a:xfrm>
-            <a:off x="4099867" y="2274838"/>
+            <a:off x="4099867" y="2945398"/>
             <a:ext cx="7011940" cy="3139321"/>
           </a:xfrm>
           <a:prstGeom prst="rect">
@@ -3388,8 +3414,8 @@
         </p:nvSpPr>
         <p:spPr>
           <a:xfrm>
-            <a:off x="3489806" y="844602"/>
-            <a:ext cx="8232062" cy="1200329"/>
+            <a:off x="3559540" y="572697"/>
+            <a:ext cx="8092594" cy="2031325"/>
           </a:xfrm>
           <a:prstGeom prst="rect">
             <a:avLst/>
@@ -3404,7 +3430,19 @@
           <a:p>
             <a:r>
               <a:rPr lang="es-MX" dirty="0" smtClean="0"/>
-              <a:t>A continuación se detallan algunas palabras clave que se usaran en el análisis de los vehículos que se vendieron en Estados Unidos en los años 2014 a 2015. Hay que tener en cuenta que los datos no representan el total de autos vendidos en EEUU en ese periodo. Por otro lado, el análisis está dirigido a posibles vendedores de vehículos.</a:t>
+              <a:t>A continuación se detallan algunas palabras clave que se usaran en el análisis de los vehículos </a:t>
+            </a:r>
+            <a:r>
+              <a:rPr lang="es-MX" dirty="0" smtClean="0"/>
+              <a:t>usados que </a:t>
+            </a:r>
+            <a:r>
+              <a:rPr lang="es-MX" dirty="0" smtClean="0"/>
+              <a:t>se vendieron en Estados Unidos en los años 2014 a 2015. Hay que tener en cuenta que los datos no representan el total de autos vendidos en EEUU en ese periodo. Por otro lado, el análisis está dirigido a posibles vendedores de </a:t>
+            </a:r>
+            <a:r>
+              <a:rPr lang="es-MX" dirty="0" smtClean="0"/>
+              <a:t>vehículos, por lo que se detallarán métricas que son útiles para los posibles interesados en vender vehículos en EEUU, aunque también puede ser interesante para alguien que quiera comprar un vehículo..</a:t>
             </a:r>
             <a:endParaRPr lang="en-US" dirty="0"/>
           </a:p>
@@ -3734,19 +3772,13 @@
               <a:rPr lang="es-MX" sz="3200" dirty="0" smtClean="0">
                 <a:latin typeface="Arial Rounded MT Bold" panose="020F0704030504030204" pitchFamily="34" charset="0"/>
               </a:rPr>
-              <a:t>Análisis de precios y </a:t>
+              <a:t>Precio de venta contra </a:t>
             </a:r>
             <a:r>
               <a:rPr lang="es-MX" sz="3200" dirty="0" err="1" smtClean="0">
                 <a:latin typeface="Arial Rounded MT Bold" panose="020F0704030504030204" pitchFamily="34" charset="0"/>
               </a:rPr>
-              <a:t>márgen</a:t>
-            </a:r>
-            <a:r>
-              <a:rPr lang="es-MX" sz="3200" dirty="0" smtClean="0">
-                <a:latin typeface="Arial Rounded MT Bold" panose="020F0704030504030204" pitchFamily="34" charset="0"/>
-              </a:rPr>
-              <a:t> de ganancia</a:t>
+              <a:t>mmr</a:t>
             </a:r>
             <a:endParaRPr lang="en-US" sz="3200" dirty="0">
               <a:latin typeface="Arial Rounded MT Bold" panose="020F0704030504030204" pitchFamily="34" charset="0"/>

--- a/plantillas.pptx
+++ b/plantillas.pptx
@@ -8,11 +8,15 @@
     <p:sldId id="256" r:id="rId2"/>
     <p:sldId id="263" r:id="rId3"/>
     <p:sldId id="257" r:id="rId4"/>
-    <p:sldId id="258" r:id="rId5"/>
-    <p:sldId id="259" r:id="rId6"/>
-    <p:sldId id="260" r:id="rId7"/>
-    <p:sldId id="261" r:id="rId8"/>
-    <p:sldId id="262" r:id="rId9"/>
+    <p:sldId id="264" r:id="rId5"/>
+    <p:sldId id="258" r:id="rId6"/>
+    <p:sldId id="259" r:id="rId7"/>
+    <p:sldId id="260" r:id="rId8"/>
+    <p:sldId id="261" r:id="rId9"/>
+    <p:sldId id="265" r:id="rId10"/>
+    <p:sldId id="266" r:id="rId11"/>
+    <p:sldId id="267" r:id="rId12"/>
+    <p:sldId id="262" r:id="rId13"/>
   </p:sldIdLst>
   <p:sldSz cx="12192000" cy="6858000"/>
   <p:notesSz cx="6858000" cy="9144000"/>
@@ -250,7 +254,7 @@
           <a:p>
             <a:fld id="{68A6C211-A98B-42AA-9173-4A6F7593096E}" type="datetimeFigureOut">
               <a:rPr lang="en-US" smtClean="0"/>
-              <a:t>2/9/2025</a:t>
+              <a:t>2/16/2025</a:t>
             </a:fld>
             <a:endParaRPr lang="en-US"/>
           </a:p>
@@ -420,7 +424,7 @@
           <a:p>
             <a:fld id="{68A6C211-A98B-42AA-9173-4A6F7593096E}" type="datetimeFigureOut">
               <a:rPr lang="en-US" smtClean="0"/>
-              <a:t>2/9/2025</a:t>
+              <a:t>2/16/2025</a:t>
             </a:fld>
             <a:endParaRPr lang="en-US"/>
           </a:p>
@@ -600,7 +604,7 @@
           <a:p>
             <a:fld id="{68A6C211-A98B-42AA-9173-4A6F7593096E}" type="datetimeFigureOut">
               <a:rPr lang="en-US" smtClean="0"/>
-              <a:t>2/9/2025</a:t>
+              <a:t>2/16/2025</a:t>
             </a:fld>
             <a:endParaRPr lang="en-US"/>
           </a:p>
@@ -770,7 +774,7 @@
           <a:p>
             <a:fld id="{68A6C211-A98B-42AA-9173-4A6F7593096E}" type="datetimeFigureOut">
               <a:rPr lang="en-US" smtClean="0"/>
-              <a:t>2/9/2025</a:t>
+              <a:t>2/16/2025</a:t>
             </a:fld>
             <a:endParaRPr lang="en-US"/>
           </a:p>
@@ -1016,7 +1020,7 @@
           <a:p>
             <a:fld id="{68A6C211-A98B-42AA-9173-4A6F7593096E}" type="datetimeFigureOut">
               <a:rPr lang="en-US" smtClean="0"/>
-              <a:t>2/9/2025</a:t>
+              <a:t>2/16/2025</a:t>
             </a:fld>
             <a:endParaRPr lang="en-US"/>
           </a:p>
@@ -1248,7 +1252,7 @@
           <a:p>
             <a:fld id="{68A6C211-A98B-42AA-9173-4A6F7593096E}" type="datetimeFigureOut">
               <a:rPr lang="en-US" smtClean="0"/>
-              <a:t>2/9/2025</a:t>
+              <a:t>2/16/2025</a:t>
             </a:fld>
             <a:endParaRPr lang="en-US"/>
           </a:p>
@@ -1615,7 +1619,7 @@
           <a:p>
             <a:fld id="{68A6C211-A98B-42AA-9173-4A6F7593096E}" type="datetimeFigureOut">
               <a:rPr lang="en-US" smtClean="0"/>
-              <a:t>2/9/2025</a:t>
+              <a:t>2/16/2025</a:t>
             </a:fld>
             <a:endParaRPr lang="en-US"/>
           </a:p>
@@ -1733,7 +1737,7 @@
           <a:p>
             <a:fld id="{68A6C211-A98B-42AA-9173-4A6F7593096E}" type="datetimeFigureOut">
               <a:rPr lang="en-US" smtClean="0"/>
-              <a:t>2/9/2025</a:t>
+              <a:t>2/16/2025</a:t>
             </a:fld>
             <a:endParaRPr lang="en-US"/>
           </a:p>
@@ -1828,7 +1832,7 @@
           <a:p>
             <a:fld id="{68A6C211-A98B-42AA-9173-4A6F7593096E}" type="datetimeFigureOut">
               <a:rPr lang="en-US" smtClean="0"/>
-              <a:t>2/9/2025</a:t>
+              <a:t>2/16/2025</a:t>
             </a:fld>
             <a:endParaRPr lang="en-US"/>
           </a:p>
@@ -2105,7 +2109,7 @@
           <a:p>
             <a:fld id="{68A6C211-A98B-42AA-9173-4A6F7593096E}" type="datetimeFigureOut">
               <a:rPr lang="en-US" smtClean="0"/>
-              <a:t>2/9/2025</a:t>
+              <a:t>2/16/2025</a:t>
             </a:fld>
             <a:endParaRPr lang="en-US"/>
           </a:p>
@@ -2358,7 +2362,7 @@
           <a:p>
             <a:fld id="{68A6C211-A98B-42AA-9173-4A6F7593096E}" type="datetimeFigureOut">
               <a:rPr lang="en-US" smtClean="0"/>
-              <a:t>2/9/2025</a:t>
+              <a:t>2/16/2025</a:t>
             </a:fld>
             <a:endParaRPr lang="en-US"/>
           </a:p>
@@ -2571,7 +2575,7 @@
           <a:p>
             <a:fld id="{68A6C211-A98B-42AA-9173-4A6F7593096E}" type="datetimeFigureOut">
               <a:rPr lang="en-US" smtClean="0"/>
-              <a:t>2/9/2025</a:t>
+              <a:t>2/16/2025</a:t>
             </a:fld>
             <a:endParaRPr lang="en-US"/>
           </a:p>
@@ -3058,23 +3062,25 @@
           <a:p>
             <a:r>
               <a:rPr lang="es-MX" sz="3200" dirty="0" smtClean="0">
+                <a:effectLst>
+                  <a:outerShdw blurRad="38100" dist="38100" dir="2700000" algn="tl">
+                    <a:srgbClr val="000000">
+                      <a:alpha val="43137"/>
+                    </a:srgbClr>
+                  </a:outerShdw>
+                </a:effectLst>
                 <a:latin typeface="Arial Rounded MT Bold" panose="020F0704030504030204" pitchFamily="34" charset="0"/>
               </a:rPr>
-              <a:t>Ventas </a:t>
-            </a:r>
-            <a:r>
-              <a:rPr lang="es-MX" sz="3200" dirty="0" smtClean="0">
-                <a:latin typeface="Arial Rounded MT Bold" panose="020F0704030504030204" pitchFamily="34" charset="0"/>
-              </a:rPr>
-              <a:t>de vehículos </a:t>
-            </a:r>
-            <a:r>
-              <a:rPr lang="es-MX" sz="3200" dirty="0" smtClean="0">
-                <a:latin typeface="Arial Rounded MT Bold" panose="020F0704030504030204" pitchFamily="34" charset="0"/>
-              </a:rPr>
-              <a:t>usados en EEUU</a:t>
+              <a:t>Ventas de vehículos usados en EEUU</a:t>
             </a:r>
             <a:endParaRPr lang="en-US" sz="3200" dirty="0">
+              <a:effectLst>
+                <a:outerShdw blurRad="38100" dist="38100" dir="2700000" algn="tl">
+                  <a:srgbClr val="000000">
+                    <a:alpha val="43137"/>
+                  </a:srgbClr>
+                </a:outerShdw>
+              </a:effectLst>
               <a:latin typeface="Arial Rounded MT Bold" panose="020F0704030504030204" pitchFamily="34" charset="0"/>
             </a:endParaRPr>
           </a:p>
@@ -3126,6 +3132,13 @@
                 <a:solidFill>
                   <a:srgbClr val="D8D3CC"/>
                 </a:solidFill>
+                <a:effectLst>
+                  <a:outerShdw blurRad="38100" dist="38100" dir="2700000" algn="tl">
+                    <a:srgbClr val="000000">
+                      <a:alpha val="43137"/>
+                    </a:srgbClr>
+                  </a:outerShdw>
+                </a:effectLst>
                 <a:latin typeface="Arial Rounded MT Bold" panose="020F0704030504030204" pitchFamily="34" charset="0"/>
               </a:rPr>
               <a:t>Última actualización: </a:t>
@@ -3135,14 +3148,44 @@
                 <a:solidFill>
                   <a:srgbClr val="D8D3CC"/>
                 </a:solidFill>
+                <a:effectLst>
+                  <a:outerShdw blurRad="38100" dist="38100" dir="2700000" algn="tl">
+                    <a:srgbClr val="000000">
+                      <a:alpha val="43137"/>
+                    </a:srgbClr>
+                  </a:outerShdw>
+                </a:effectLst>
                 <a:latin typeface="Arial Rounded MT Bold" panose="020F0704030504030204" pitchFamily="34" charset="0"/>
               </a:rPr>
-              <a:t>09/02/2025</a:t>
+              <a:t>16</a:t>
+            </a:r>
+            <a:r>
+              <a:rPr lang="es-MX" sz="1600" dirty="0" smtClean="0">
+                <a:solidFill>
+                  <a:srgbClr val="D8D3CC"/>
+                </a:solidFill>
+                <a:effectLst>
+                  <a:outerShdw blurRad="38100" dist="38100" dir="2700000" algn="tl">
+                    <a:srgbClr val="000000">
+                      <a:alpha val="43137"/>
+                    </a:srgbClr>
+                  </a:outerShdw>
+                </a:effectLst>
+                <a:latin typeface="Arial Rounded MT Bold" panose="020F0704030504030204" pitchFamily="34" charset="0"/>
+              </a:rPr>
+              <a:t>/02/2025</a:t>
             </a:r>
             <a:endParaRPr lang="en-US" sz="1600" dirty="0">
               <a:solidFill>
                 <a:srgbClr val="D8D3CC"/>
               </a:solidFill>
+              <a:effectLst>
+                <a:outerShdw blurRad="38100" dist="38100" dir="2700000" algn="tl">
+                  <a:srgbClr val="000000">
+                    <a:alpha val="43137"/>
+                  </a:srgbClr>
+                </a:outerShdw>
+              </a:effectLst>
               <a:latin typeface="Arial Rounded MT Bold" panose="020F0704030504030204" pitchFamily="34" charset="0"/>
             </a:endParaRPr>
           </a:p>
@@ -3156,8 +3199,8 @@
         </p:nvSpPr>
         <p:spPr>
           <a:xfrm>
-            <a:off x="9077498" y="5744096"/>
-            <a:ext cx="3114502" cy="806334"/>
+            <a:off x="8778240" y="5803392"/>
+            <a:ext cx="3413760" cy="1053224"/>
           </a:xfrm>
           <a:prstGeom prst="rect">
             <a:avLst/>
@@ -3190,10 +3233,17 @@
           <a:lstStyle/>
           <a:p>
             <a:r>
-              <a:rPr lang="es-MX" dirty="0" smtClean="0">
+              <a:rPr lang="es-MX" sz="2000" dirty="0" smtClean="0">
                 <a:solidFill>
                   <a:schemeClr val="bg1"/>
                 </a:solidFill>
+                <a:effectLst>
+                  <a:outerShdw blurRad="38100" dist="38100" dir="2700000" algn="tl">
+                    <a:srgbClr val="000000">
+                      <a:alpha val="43137"/>
+                    </a:srgbClr>
+                  </a:outerShdw>
+                </a:effectLst>
                 <a:latin typeface="Arial Rounded MT Bold" panose="020F0704030504030204" pitchFamily="34" charset="0"/>
               </a:rPr>
               <a:t>ESTUDIANTE:</a:t>
@@ -3201,22 +3251,32 @@
           </a:p>
           <a:p>
             <a:r>
-              <a:rPr lang="es-MX" dirty="0" smtClean="0">
+              <a:rPr lang="es-MX" sz="2000" dirty="0" smtClean="0">
                 <a:solidFill>
-                  <a:schemeClr val="accent1">
-                    <a:lumMod val="50000"/>
-                  </a:schemeClr>
+                  <a:srgbClr val="3DA15C"/>
                 </a:solidFill>
+                <a:effectLst>
+                  <a:outerShdw blurRad="38100" dist="38100" dir="2700000" algn="tl">
+                    <a:srgbClr val="000000">
+                      <a:alpha val="43137"/>
+                    </a:srgbClr>
+                  </a:outerShdw>
+                </a:effectLst>
                 <a:latin typeface="Arial Rounded MT Bold" panose="020F0704030504030204" pitchFamily="34" charset="0"/>
               </a:rPr>
               <a:t>Gonzalo Leonel Gramajo</a:t>
             </a:r>
-            <a:endParaRPr lang="en-US" dirty="0">
+            <a:endParaRPr lang="en-US" sz="2000" dirty="0">
               <a:solidFill>
-                <a:schemeClr val="accent1">
-                  <a:lumMod val="50000"/>
-                </a:schemeClr>
+                <a:srgbClr val="3DA15C"/>
               </a:solidFill>
+              <a:effectLst>
+                <a:outerShdw blurRad="38100" dist="38100" dir="2700000" algn="tl">
+                  <a:srgbClr val="000000">
+                    <a:alpha val="43137"/>
+                  </a:srgbClr>
+                </a:outerShdw>
+              </a:effectLst>
               <a:latin typeface="Arial Rounded MT Bold" panose="020F0704030504030204" pitchFamily="34" charset="0"/>
             </a:endParaRPr>
           </a:p>
@@ -3235,7 +3295,7 @@
 </p:sld>
 </file>
 
-<file path=ppt/slides/slide2.xml><?xml version="1.0" encoding="utf-8"?>
+<file path=ppt/slides/slide10.xml><?xml version="1.0" encoding="utf-8"?>
 <p:sld xmlns:a="http://schemas.openxmlformats.org/drawingml/2006/main" xmlns:r="http://schemas.openxmlformats.org/officeDocument/2006/relationships" xmlns:p="http://schemas.openxmlformats.org/presentationml/2006/main">
   <p:cSld>
     <p:spTree>
@@ -3295,163 +3355,60 @@
           <a:p>
             <a:r>
               <a:rPr lang="es-MX" sz="3200" dirty="0" smtClean="0">
+                <a:effectLst>
+                  <a:outerShdw blurRad="38100" dist="38100" dir="2700000" algn="tl">
+                    <a:srgbClr val="000000">
+                      <a:alpha val="43137"/>
+                    </a:srgbClr>
+                  </a:outerShdw>
+                </a:effectLst>
                 <a:latin typeface="Arial Rounded MT Bold" panose="020F0704030504030204" pitchFamily="34" charset="0"/>
               </a:rPr>
-              <a:t>Glosario</a:t>
+              <a:t>Preferencias </a:t>
+            </a:r>
+            <a:r>
+              <a:rPr lang="es-MX" sz="3200" dirty="0" smtClean="0">
+                <a:effectLst>
+                  <a:outerShdw blurRad="38100" dist="38100" dir="2700000" algn="tl">
+                    <a:srgbClr val="000000">
+                      <a:alpha val="43137"/>
+                    </a:srgbClr>
+                  </a:outerShdw>
+                </a:effectLst>
+                <a:latin typeface="Arial Rounded MT Bold" panose="020F0704030504030204" pitchFamily="34" charset="0"/>
+              </a:rPr>
+              <a:t>(</a:t>
+            </a:r>
+            <a:r>
+              <a:rPr lang="es-MX" sz="3200" dirty="0" smtClean="0">
+                <a:effectLst>
+                  <a:outerShdw blurRad="38100" dist="38100" dir="2700000" algn="tl">
+                    <a:srgbClr val="000000">
+                      <a:alpha val="43137"/>
+                    </a:srgbClr>
+                  </a:outerShdw>
+                </a:effectLst>
+                <a:latin typeface="Arial Rounded MT Bold" panose="020F0704030504030204" pitchFamily="34" charset="0"/>
+              </a:rPr>
+              <a:t>colores)</a:t>
             </a:r>
             <a:endParaRPr lang="en-US" sz="3200" dirty="0">
+              <a:effectLst>
+                <a:outerShdw blurRad="38100" dist="38100" dir="2700000" algn="tl">
+                  <a:srgbClr val="000000">
+                    <a:alpha val="43137"/>
+                  </a:srgbClr>
+                </a:outerShdw>
+              </a:effectLst>
               <a:latin typeface="Arial Rounded MT Bold" panose="020F0704030504030204" pitchFamily="34" charset="0"/>
             </a:endParaRPr>
-          </a:p>
-        </p:txBody>
-      </p:sp>
-      <p:sp>
-        <p:nvSpPr>
-          <p:cNvPr id="2" name="CuadroTexto 1"/>
-          <p:cNvSpPr txBox="1"/>
-          <p:nvPr/>
-        </p:nvSpPr>
-        <p:spPr>
-          <a:xfrm>
-            <a:off x="4099867" y="2945398"/>
-            <a:ext cx="7011940" cy="3139321"/>
-          </a:xfrm>
-          <a:prstGeom prst="rect">
-            <a:avLst/>
-          </a:prstGeom>
-          <a:noFill/>
-        </p:spPr>
-        <p:txBody>
-          <a:bodyPr wrap="square" rtlCol="0">
-            <a:spAutoFit/>
-          </a:bodyPr>
-          <a:lstStyle/>
-          <a:p>
-            <a:r>
-              <a:rPr lang="es-MX" b="1" dirty="0" smtClean="0">
-                <a:solidFill>
-                  <a:schemeClr val="accent1">
-                    <a:lumMod val="50000"/>
-                  </a:schemeClr>
-                </a:solidFill>
-              </a:rPr>
-              <a:t>MMR: </a:t>
-            </a:r>
-            <a:r>
-              <a:rPr lang="es-MX" dirty="0" smtClean="0"/>
-              <a:t>Manheim market report o informe de mercado de Manheim, es un indicador objetivo del valor de mercado estimado del vehículo.</a:t>
-            </a:r>
-          </a:p>
-          <a:p>
-            <a:endParaRPr lang="es-MX" dirty="0"/>
-          </a:p>
-          <a:p>
-            <a:r>
-              <a:rPr lang="es-MX" b="1" dirty="0">
-                <a:solidFill>
-                  <a:schemeClr val="accent1">
-                    <a:lumMod val="50000"/>
-                  </a:schemeClr>
-                </a:solidFill>
-              </a:rPr>
-              <a:t>ODOMETRO: </a:t>
-            </a:r>
-            <a:r>
-              <a:rPr lang="es-MX" dirty="0"/>
-              <a:t>e</a:t>
-            </a:r>
-            <a:r>
-              <a:rPr lang="es-MX" dirty="0" smtClean="0"/>
-              <a:t>s la distancia total recorrida por el vehículo en millas. Esto también se encuentra en kilómetros (KILOMETRAJE) para ser más entendible por los usuarios latinoamericanos.</a:t>
-            </a:r>
-          </a:p>
-          <a:p>
-            <a:endParaRPr lang="es-MX" dirty="0"/>
-          </a:p>
-          <a:p>
-            <a:r>
-              <a:rPr lang="es-MX" b="1" dirty="0">
-                <a:solidFill>
-                  <a:schemeClr val="accent1">
-                    <a:lumMod val="50000"/>
-                  </a:schemeClr>
-                </a:solidFill>
-              </a:rPr>
-              <a:t>ESTADO: </a:t>
-            </a:r>
-            <a:r>
-              <a:rPr lang="es-MX" dirty="0" smtClean="0"/>
-              <a:t>es el estado de EEUU donde está registrado el vehículo. Sería análogo a las provincias en Argentina.</a:t>
-            </a:r>
-          </a:p>
-          <a:p>
-            <a:endParaRPr lang="es-MX" dirty="0"/>
-          </a:p>
-          <a:p>
-            <a:r>
-              <a:rPr lang="es-MX" b="1" dirty="0">
-                <a:solidFill>
-                  <a:schemeClr val="accent1">
-                    <a:lumMod val="50000"/>
-                  </a:schemeClr>
-                </a:solidFill>
-              </a:rPr>
-              <a:t>AÑO: </a:t>
-            </a:r>
-            <a:r>
-              <a:rPr lang="es-MX" dirty="0" smtClean="0"/>
-              <a:t>es el año de fabricación del vehículo.</a:t>
-            </a:r>
-            <a:endParaRPr lang="en-US" dirty="0"/>
-          </a:p>
-        </p:txBody>
-      </p:sp>
-      <p:sp>
-        <p:nvSpPr>
-          <p:cNvPr id="8" name="CuadroTexto 7"/>
-          <p:cNvSpPr txBox="1"/>
-          <p:nvPr/>
-        </p:nvSpPr>
-        <p:spPr>
-          <a:xfrm>
-            <a:off x="3559540" y="572697"/>
-            <a:ext cx="8092594" cy="2031325"/>
-          </a:xfrm>
-          <a:prstGeom prst="rect">
-            <a:avLst/>
-          </a:prstGeom>
-          <a:noFill/>
-        </p:spPr>
-        <p:txBody>
-          <a:bodyPr wrap="square" rtlCol="0">
-            <a:spAutoFit/>
-          </a:bodyPr>
-          <a:lstStyle/>
-          <a:p>
-            <a:r>
-              <a:rPr lang="es-MX" dirty="0" smtClean="0"/>
-              <a:t>A continuación se detallan algunas palabras clave que se usaran en el análisis de los vehículos </a:t>
-            </a:r>
-            <a:r>
-              <a:rPr lang="es-MX" dirty="0" smtClean="0"/>
-              <a:t>usados que </a:t>
-            </a:r>
-            <a:r>
-              <a:rPr lang="es-MX" dirty="0" smtClean="0"/>
-              <a:t>se vendieron en Estados Unidos en los años 2014 a 2015. Hay que tener en cuenta que los datos no representan el total de autos vendidos en EEUU en ese periodo. Por otro lado, el análisis está dirigido a posibles vendedores de </a:t>
-            </a:r>
-            <a:r>
-              <a:rPr lang="es-MX" dirty="0" smtClean="0"/>
-              <a:t>vehículos, por lo que se detallarán métricas que son útiles para los posibles interesados en vender vehículos en EEUU, aunque también puede ser interesante para alguien que quiera comprar un vehículo..</a:t>
-            </a:r>
-            <a:endParaRPr lang="en-US" dirty="0"/>
           </a:p>
         </p:txBody>
       </p:sp>
     </p:spTree>
     <p:extLst>
       <p:ext uri="{BB962C8B-B14F-4D97-AF65-F5344CB8AC3E}">
-        <p14:creationId xmlns:p14="http://schemas.microsoft.com/office/powerpoint/2010/main" val="1800892375"/>
+        <p14:creationId xmlns:p14="http://schemas.microsoft.com/office/powerpoint/2010/main" val="2803499454"/>
       </p:ext>
     </p:extLst>
   </p:cSld>
@@ -3461,7 +3418,7 @@
 </p:sld>
 </file>
 
-<file path=ppt/slides/slide3.xml><?xml version="1.0" encoding="utf-8"?>
+<file path=ppt/slides/slide11.xml><?xml version="1.0" encoding="utf-8"?>
 <p:sld xmlns:a="http://schemas.openxmlformats.org/drawingml/2006/main" xmlns:r="http://schemas.openxmlformats.org/officeDocument/2006/relationships" xmlns:p="http://schemas.openxmlformats.org/presentationml/2006/main">
   <p:cSld>
     <p:spTree>
@@ -3521,11 +3478,51 @@
           <a:p>
             <a:r>
               <a:rPr lang="es-MX" sz="3200" dirty="0" smtClean="0">
+                <a:effectLst>
+                  <a:outerShdw blurRad="38100" dist="38100" dir="2700000" algn="tl">
+                    <a:srgbClr val="000000">
+                      <a:alpha val="43137"/>
+                    </a:srgbClr>
+                  </a:outerShdw>
+                </a:effectLst>
                 <a:latin typeface="Arial Rounded MT Bold" panose="020F0704030504030204" pitchFamily="34" charset="0"/>
               </a:rPr>
-              <a:t>Tendencia de ventas en el tiempo</a:t>
+              <a:t>Preferencias </a:t>
+            </a:r>
+            <a:r>
+              <a:rPr lang="es-MX" sz="3200" dirty="0" smtClean="0">
+                <a:effectLst>
+                  <a:outerShdw blurRad="38100" dist="38100" dir="2700000" algn="tl">
+                    <a:srgbClr val="000000">
+                      <a:alpha val="43137"/>
+                    </a:srgbClr>
+                  </a:outerShdw>
+                </a:effectLst>
+                <a:latin typeface="Arial Rounded MT Bold" panose="020F0704030504030204" pitchFamily="34" charset="0"/>
+              </a:rPr>
+              <a:t>(</a:t>
+            </a:r>
+            <a:r>
+              <a:rPr lang="es-MX" sz="3200" dirty="0" smtClean="0">
+                <a:effectLst>
+                  <a:outerShdw blurRad="38100" dist="38100" dir="2700000" algn="tl">
+                    <a:srgbClr val="000000">
+                      <a:alpha val="43137"/>
+                    </a:srgbClr>
+                  </a:outerShdw>
+                </a:effectLst>
+                <a:latin typeface="Arial Rounded MT Bold" panose="020F0704030504030204" pitchFamily="34" charset="0"/>
+              </a:rPr>
+              <a:t>transmisión)</a:t>
             </a:r>
             <a:endParaRPr lang="en-US" sz="3200" dirty="0">
+              <a:effectLst>
+                <a:outerShdw blurRad="38100" dist="38100" dir="2700000" algn="tl">
+                  <a:srgbClr val="000000">
+                    <a:alpha val="43137"/>
+                  </a:srgbClr>
+                </a:outerShdw>
+              </a:effectLst>
               <a:latin typeface="Arial Rounded MT Bold" panose="020F0704030504030204" pitchFamily="34" charset="0"/>
             </a:endParaRPr>
           </a:p>
@@ -3534,7 +3531,7 @@
     </p:spTree>
     <p:extLst>
       <p:ext uri="{BB962C8B-B14F-4D97-AF65-F5344CB8AC3E}">
-        <p14:creationId xmlns:p14="http://schemas.microsoft.com/office/powerpoint/2010/main" val="2332604186"/>
+        <p14:creationId xmlns:p14="http://schemas.microsoft.com/office/powerpoint/2010/main" val="1175566788"/>
       </p:ext>
     </p:extLst>
   </p:cSld>
@@ -3544,7 +3541,7 @@
 </p:sld>
 </file>
 
-<file path=ppt/slides/slide4.xml><?xml version="1.0" encoding="utf-8"?>
+<file path=ppt/slides/slide12.xml><?xml version="1.0" encoding="utf-8"?>
 <p:sld xmlns:a="http://schemas.openxmlformats.org/drawingml/2006/main" xmlns:r="http://schemas.openxmlformats.org/officeDocument/2006/relationships" xmlns:p="http://schemas.openxmlformats.org/presentationml/2006/main">
   <p:cSld>
     <p:spTree>
@@ -3604,11 +3601,25 @@
           <a:p>
             <a:r>
               <a:rPr lang="es-MX" sz="3200" dirty="0" smtClean="0">
+                <a:effectLst>
+                  <a:outerShdw blurRad="38100" dist="38100" dir="2700000" algn="tl">
+                    <a:srgbClr val="000000">
+                      <a:alpha val="43137"/>
+                    </a:srgbClr>
+                  </a:outerShdw>
+                </a:effectLst>
                 <a:latin typeface="Arial Rounded MT Bold" panose="020F0704030504030204" pitchFamily="34" charset="0"/>
               </a:rPr>
-              <a:t>Ventas por ubicación (estados)</a:t>
+              <a:t>Conclusión</a:t>
             </a:r>
             <a:endParaRPr lang="en-US" sz="3200" dirty="0">
+              <a:effectLst>
+                <a:outerShdw blurRad="38100" dist="38100" dir="2700000" algn="tl">
+                  <a:srgbClr val="000000">
+                    <a:alpha val="43137"/>
+                  </a:srgbClr>
+                </a:outerShdw>
+              </a:effectLst>
               <a:latin typeface="Arial Rounded MT Bold" panose="020F0704030504030204" pitchFamily="34" charset="0"/>
             </a:endParaRPr>
           </a:p>
@@ -3617,7 +3628,7 @@
     </p:spTree>
     <p:extLst>
       <p:ext uri="{BB962C8B-B14F-4D97-AF65-F5344CB8AC3E}">
-        <p14:creationId xmlns:p14="http://schemas.microsoft.com/office/powerpoint/2010/main" val="2572395920"/>
+        <p14:creationId xmlns:p14="http://schemas.microsoft.com/office/powerpoint/2010/main" val="1104176976"/>
       </p:ext>
     </p:extLst>
   </p:cSld>
@@ -3627,7 +3638,7 @@
 </p:sld>
 </file>
 
-<file path=ppt/slides/slide5.xml><?xml version="1.0" encoding="utf-8"?>
+<file path=ppt/slides/slide2.xml><?xml version="1.0" encoding="utf-8"?>
 <p:sld xmlns:a="http://schemas.openxmlformats.org/drawingml/2006/main" xmlns:r="http://schemas.openxmlformats.org/officeDocument/2006/relationships" xmlns:p="http://schemas.openxmlformats.org/presentationml/2006/main">
   <p:cSld>
     <p:spTree>
@@ -3687,20 +3698,201 @@
           <a:p>
             <a:r>
               <a:rPr lang="es-MX" sz="3200" dirty="0" smtClean="0">
+                <a:effectLst>
+                  <a:outerShdw blurRad="38100" dist="38100" dir="2700000" algn="tl">
+                    <a:srgbClr val="000000">
+                      <a:alpha val="43137"/>
+                    </a:srgbClr>
+                  </a:outerShdw>
+                </a:effectLst>
                 <a:latin typeface="Arial Rounded MT Bold" panose="020F0704030504030204" pitchFamily="34" charset="0"/>
               </a:rPr>
-              <a:t>Relación condición -precios</a:t>
+              <a:t>Introducción y glosario</a:t>
             </a:r>
             <a:endParaRPr lang="en-US" sz="3200" dirty="0">
+              <a:effectLst>
+                <a:outerShdw blurRad="38100" dist="38100" dir="2700000" algn="tl">
+                  <a:srgbClr val="000000">
+                    <a:alpha val="43137"/>
+                  </a:srgbClr>
+                </a:outerShdw>
+              </a:effectLst>
               <a:latin typeface="Arial Rounded MT Bold" panose="020F0704030504030204" pitchFamily="34" charset="0"/>
             </a:endParaRPr>
+          </a:p>
+        </p:txBody>
+      </p:sp>
+      <p:sp>
+        <p:nvSpPr>
+          <p:cNvPr id="2" name="CuadroTexto 1"/>
+          <p:cNvSpPr txBox="1"/>
+          <p:nvPr/>
+        </p:nvSpPr>
+        <p:spPr>
+          <a:xfrm>
+            <a:off x="4099867" y="2945398"/>
+            <a:ext cx="7011940" cy="3139321"/>
+          </a:xfrm>
+          <a:prstGeom prst="rect">
+            <a:avLst/>
+          </a:prstGeom>
+          <a:noFill/>
+        </p:spPr>
+        <p:txBody>
+          <a:bodyPr wrap="square" rtlCol="0">
+            <a:spAutoFit/>
+          </a:bodyPr>
+          <a:lstStyle/>
+          <a:p>
+            <a:r>
+              <a:rPr lang="es-MX" b="1" dirty="0" smtClean="0">
+                <a:solidFill>
+                  <a:srgbClr val="3DA15C"/>
+                </a:solidFill>
+              </a:rPr>
+              <a:t>MMR:</a:t>
+            </a:r>
+            <a:r>
+              <a:rPr lang="es-MX" b="1" dirty="0" smtClean="0">
+                <a:solidFill>
+                  <a:schemeClr val="accent1">
+                    <a:lumMod val="50000"/>
+                  </a:schemeClr>
+                </a:solidFill>
+              </a:rPr>
+              <a:t> </a:t>
+            </a:r>
+            <a:r>
+              <a:rPr lang="es-MX" dirty="0" smtClean="0"/>
+              <a:t>Manheim market report o informe de mercado de Manheim, es un indicador objetivo del valor de mercado estimado del vehículo.</a:t>
+            </a:r>
+          </a:p>
+          <a:p>
+            <a:endParaRPr lang="es-MX" dirty="0"/>
+          </a:p>
+          <a:p>
+            <a:r>
+              <a:rPr lang="es-MX" b="1" dirty="0">
+                <a:solidFill>
+                  <a:srgbClr val="3DA15C"/>
+                </a:solidFill>
+              </a:rPr>
+              <a:t>ODOMETRO:</a:t>
+            </a:r>
+            <a:r>
+              <a:rPr lang="es-MX" b="1" dirty="0">
+                <a:solidFill>
+                  <a:schemeClr val="accent1">
+                    <a:lumMod val="50000"/>
+                  </a:schemeClr>
+                </a:solidFill>
+              </a:rPr>
+              <a:t> </a:t>
+            </a:r>
+            <a:r>
+              <a:rPr lang="es-MX" dirty="0"/>
+              <a:t>e</a:t>
+            </a:r>
+            <a:r>
+              <a:rPr lang="es-MX" dirty="0" smtClean="0"/>
+              <a:t>s la distancia total recorrida por el vehículo en millas. Esto también se encuentra en kilómetros (KILOMETRAJE) para ser más entendible por los usuarios latinoamericanos.</a:t>
+            </a:r>
+          </a:p>
+          <a:p>
+            <a:endParaRPr lang="es-MX" dirty="0"/>
+          </a:p>
+          <a:p>
+            <a:r>
+              <a:rPr lang="es-MX" b="1" dirty="0">
+                <a:solidFill>
+                  <a:srgbClr val="3DA15C"/>
+                </a:solidFill>
+              </a:rPr>
+              <a:t>ESTADO:</a:t>
+            </a:r>
+            <a:r>
+              <a:rPr lang="es-MX" b="1" dirty="0">
+                <a:solidFill>
+                  <a:schemeClr val="accent1">
+                    <a:lumMod val="50000"/>
+                  </a:schemeClr>
+                </a:solidFill>
+              </a:rPr>
+              <a:t> </a:t>
+            </a:r>
+            <a:r>
+              <a:rPr lang="es-MX" dirty="0" smtClean="0"/>
+              <a:t>es el estado de EEUU donde está registrado el vehículo. Sería análogo a las provincias en Argentina.</a:t>
+            </a:r>
+          </a:p>
+          <a:p>
+            <a:endParaRPr lang="es-MX" dirty="0"/>
+          </a:p>
+          <a:p>
+            <a:r>
+              <a:rPr lang="es-MX" b="1" dirty="0">
+                <a:solidFill>
+                  <a:srgbClr val="3DA15C"/>
+                </a:solidFill>
+              </a:rPr>
+              <a:t>AÑO:</a:t>
+            </a:r>
+            <a:r>
+              <a:rPr lang="es-MX" b="1" dirty="0">
+                <a:solidFill>
+                  <a:schemeClr val="accent1">
+                    <a:lumMod val="50000"/>
+                  </a:schemeClr>
+                </a:solidFill>
+              </a:rPr>
+              <a:t> </a:t>
+            </a:r>
+            <a:r>
+              <a:rPr lang="es-MX" dirty="0" smtClean="0"/>
+              <a:t>es el año de fabricación del vehículo.</a:t>
+            </a:r>
+            <a:endParaRPr lang="en-US" dirty="0"/>
+          </a:p>
+        </p:txBody>
+      </p:sp>
+      <p:sp>
+        <p:nvSpPr>
+          <p:cNvPr id="8" name="CuadroTexto 7"/>
+          <p:cNvSpPr txBox="1"/>
+          <p:nvPr/>
+        </p:nvSpPr>
+        <p:spPr>
+          <a:xfrm>
+            <a:off x="3559540" y="572697"/>
+            <a:ext cx="8092594" cy="2031325"/>
+          </a:xfrm>
+          <a:prstGeom prst="rect">
+            <a:avLst/>
+          </a:prstGeom>
+          <a:noFill/>
+        </p:spPr>
+        <p:txBody>
+          <a:bodyPr wrap="square" rtlCol="0">
+            <a:spAutoFit/>
+          </a:bodyPr>
+          <a:lstStyle/>
+          <a:p>
+            <a:r>
+              <a:rPr lang="es-MX" dirty="0" smtClean="0"/>
+              <a:t>A continuación se detallan algunas palabras clave que se usaran en el análisis de los vehículos usados que se vendieron en Estados Unidos en los años 2014 a 2015. Hay que tener en cuenta que los datos no representan el total de autos vendidos en EEUU en ese periodo. Por otro lado, el análisis está dirigido a posibles vendedores de vehículos, por lo que se detallarán métricas que son útiles para los posibles interesados en vender vehículos en EEUU, aunque también puede ser interesante para alguien que quiera comprar un vehículo</a:t>
+            </a:r>
+            <a:r>
+              <a:rPr lang="es-MX" dirty="0" smtClean="0"/>
+              <a:t>.</a:t>
+            </a:r>
+            <a:endParaRPr lang="en-US" dirty="0"/>
           </a:p>
         </p:txBody>
       </p:sp>
     </p:spTree>
     <p:extLst>
       <p:ext uri="{BB962C8B-B14F-4D97-AF65-F5344CB8AC3E}">
-        <p14:creationId xmlns:p14="http://schemas.microsoft.com/office/powerpoint/2010/main" val="1695157566"/>
+        <p14:creationId xmlns:p14="http://schemas.microsoft.com/office/powerpoint/2010/main" val="1800892375"/>
       </p:ext>
     </p:extLst>
   </p:cSld>
@@ -3710,7 +3902,7 @@
 </p:sld>
 </file>
 
-<file path=ppt/slides/slide6.xml><?xml version="1.0" encoding="utf-8"?>
+<file path=ppt/slides/slide3.xml><?xml version="1.0" encoding="utf-8"?>
 <p:sld xmlns:a="http://schemas.openxmlformats.org/drawingml/2006/main" xmlns:r="http://schemas.openxmlformats.org/officeDocument/2006/relationships" xmlns:p="http://schemas.openxmlformats.org/presentationml/2006/main">
   <p:cSld>
     <p:spTree>
@@ -3769,18 +3961,52 @@
           <a:lstStyle/>
           <a:p>
             <a:r>
-              <a:rPr lang="es-MX" sz="3200" dirty="0" smtClean="0">
+              <a:rPr lang="es-MX" sz="3200" dirty="0">
+                <a:effectLst>
+                  <a:outerShdw blurRad="38100" dist="38100" dir="2700000" algn="tl">
+                    <a:srgbClr val="000000">
+                      <a:alpha val="43137"/>
+                    </a:srgbClr>
+                  </a:outerShdw>
+                </a:effectLst>
                 <a:latin typeface="Arial Rounded MT Bold" panose="020F0704030504030204" pitchFamily="34" charset="0"/>
               </a:rPr>
-              <a:t>Precio de venta contra </a:t>
-            </a:r>
-            <a:r>
-              <a:rPr lang="es-MX" sz="3200" dirty="0" err="1" smtClean="0">
+              <a:t>V</a:t>
+            </a:r>
+            <a:r>
+              <a:rPr lang="es-MX" sz="3200" dirty="0" smtClean="0">
+                <a:effectLst>
+                  <a:outerShdw blurRad="38100" dist="38100" dir="2700000" algn="tl">
+                    <a:srgbClr val="000000">
+                      <a:alpha val="43137"/>
+                    </a:srgbClr>
+                  </a:outerShdw>
+                </a:effectLst>
                 <a:latin typeface="Arial Rounded MT Bold" panose="020F0704030504030204" pitchFamily="34" charset="0"/>
               </a:rPr>
-              <a:t>mmr</a:t>
+              <a:t>entas en </a:t>
+            </a:r>
+            <a:r>
+              <a:rPr lang="es-MX" sz="3200" dirty="0" smtClean="0">
+                <a:effectLst>
+                  <a:outerShdw blurRad="38100" dist="38100" dir="2700000" algn="tl">
+                    <a:srgbClr val="000000">
+                      <a:alpha val="43137"/>
+                    </a:srgbClr>
+                  </a:outerShdw>
+                </a:effectLst>
+                <a:latin typeface="Arial Rounded MT Bold" panose="020F0704030504030204" pitchFamily="34" charset="0"/>
+              </a:rPr>
+              <a:t>el tiempo</a:t>
             </a:r>
             <a:endParaRPr lang="en-US" sz="3200" dirty="0">
+              <a:effectLst>
+                <a:outerShdw blurRad="38100" dist="38100" dir="2700000" algn="tl">
+                  <a:srgbClr val="000000">
+                    <a:alpha val="43137"/>
+                  </a:srgbClr>
+                </a:outerShdw>
+              </a:effectLst>
               <a:latin typeface="Arial Rounded MT Bold" panose="020F0704030504030204" pitchFamily="34" charset="0"/>
             </a:endParaRPr>
           </a:p>
@@ -3789,7 +4015,7 @@
     </p:spTree>
     <p:extLst>
       <p:ext uri="{BB962C8B-B14F-4D97-AF65-F5344CB8AC3E}">
-        <p14:creationId xmlns:p14="http://schemas.microsoft.com/office/powerpoint/2010/main" val="133328175"/>
+        <p14:creationId xmlns:p14="http://schemas.microsoft.com/office/powerpoint/2010/main" val="2332604186"/>
       </p:ext>
     </p:extLst>
   </p:cSld>
@@ -3799,7 +4025,7 @@
 </p:sld>
 </file>
 
-<file path=ppt/slides/slide7.xml><?xml version="1.0" encoding="utf-8"?>
+<file path=ppt/slides/slide4.xml><?xml version="1.0" encoding="utf-8"?>
 <p:sld xmlns:a="http://schemas.openxmlformats.org/drawingml/2006/main" xmlns:r="http://schemas.openxmlformats.org/officeDocument/2006/relationships" xmlns:p="http://schemas.openxmlformats.org/presentationml/2006/main">
   <p:cSld>
     <p:spTree>
@@ -3859,11 +4085,40 @@
           <a:p>
             <a:r>
               <a:rPr lang="es-MX" sz="3200" dirty="0" smtClean="0">
+                <a:effectLst>
+                  <a:outerShdw blurRad="38100" dist="38100" dir="2700000" algn="tl">
+                    <a:srgbClr val="000000">
+                      <a:alpha val="43137"/>
+                    </a:srgbClr>
+                  </a:outerShdw>
+                </a:effectLst>
                 <a:latin typeface="Arial Rounded MT Bold" panose="020F0704030504030204" pitchFamily="34" charset="0"/>
               </a:rPr>
-              <a:t>Preferencias de los clientes</a:t>
+              <a:t>Ventas y</a:t>
+            </a:r>
+          </a:p>
+          <a:p>
+            <a:r>
+              <a:rPr lang="es-MX" sz="3200" dirty="0" smtClean="0">
+                <a:effectLst>
+                  <a:outerShdw blurRad="38100" dist="38100" dir="2700000" algn="tl">
+                    <a:srgbClr val="000000">
+                      <a:alpha val="43137"/>
+                    </a:srgbClr>
+                  </a:outerShdw>
+                </a:effectLst>
+                <a:latin typeface="Arial Rounded MT Bold" panose="020F0704030504030204" pitchFamily="34" charset="0"/>
+              </a:rPr>
+              <a:t>año de fabricación</a:t>
             </a:r>
             <a:endParaRPr lang="en-US" sz="3200" dirty="0">
+              <a:effectLst>
+                <a:outerShdw blurRad="38100" dist="38100" dir="2700000" algn="tl">
+                  <a:srgbClr val="000000">
+                    <a:alpha val="43137"/>
+                  </a:srgbClr>
+                </a:outerShdw>
+              </a:effectLst>
               <a:latin typeface="Arial Rounded MT Bold" panose="020F0704030504030204" pitchFamily="34" charset="0"/>
             </a:endParaRPr>
           </a:p>
@@ -3872,7 +4127,7 @@
     </p:spTree>
     <p:extLst>
       <p:ext uri="{BB962C8B-B14F-4D97-AF65-F5344CB8AC3E}">
-        <p14:creationId xmlns:p14="http://schemas.microsoft.com/office/powerpoint/2010/main" val="2737288091"/>
+        <p14:creationId xmlns:p14="http://schemas.microsoft.com/office/powerpoint/2010/main" val="1598315889"/>
       </p:ext>
     </p:extLst>
   </p:cSld>
@@ -3882,7 +4137,7 @@
 </p:sld>
 </file>
 
-<file path=ppt/slides/slide8.xml><?xml version="1.0" encoding="utf-8"?>
+<file path=ppt/slides/slide5.xml><?xml version="1.0" encoding="utf-8"?>
 <p:sld xmlns:a="http://schemas.openxmlformats.org/drawingml/2006/main" xmlns:r="http://schemas.openxmlformats.org/officeDocument/2006/relationships" xmlns:p="http://schemas.openxmlformats.org/presentationml/2006/main">
   <p:cSld>
     <p:spTree>
@@ -3942,11 +4197,25 @@
           <a:p>
             <a:r>
               <a:rPr lang="es-MX" sz="3200" dirty="0" smtClean="0">
+                <a:effectLst>
+                  <a:outerShdw blurRad="38100" dist="38100" dir="2700000" algn="tl">
+                    <a:srgbClr val="000000">
+                      <a:alpha val="43137"/>
+                    </a:srgbClr>
+                  </a:outerShdw>
+                </a:effectLst>
                 <a:latin typeface="Arial Rounded MT Bold" panose="020F0704030504030204" pitchFamily="34" charset="0"/>
               </a:rPr>
-              <a:t>Conclusión</a:t>
+              <a:t>Ventas vs MMR (mapa)</a:t>
             </a:r>
             <a:endParaRPr lang="en-US" sz="3200" dirty="0">
+              <a:effectLst>
+                <a:outerShdw blurRad="38100" dist="38100" dir="2700000" algn="tl">
+                  <a:srgbClr val="000000">
+                    <a:alpha val="43137"/>
+                  </a:srgbClr>
+                </a:outerShdw>
+              </a:effectLst>
               <a:latin typeface="Arial Rounded MT Bold" panose="020F0704030504030204" pitchFamily="34" charset="0"/>
             </a:endParaRPr>
           </a:p>
@@ -3955,7 +4224,434 @@
     </p:spTree>
     <p:extLst>
       <p:ext uri="{BB962C8B-B14F-4D97-AF65-F5344CB8AC3E}">
-        <p14:creationId xmlns:p14="http://schemas.microsoft.com/office/powerpoint/2010/main" val="1104176976"/>
+        <p14:creationId xmlns:p14="http://schemas.microsoft.com/office/powerpoint/2010/main" val="2572395920"/>
+      </p:ext>
+    </p:extLst>
+  </p:cSld>
+  <p:clrMapOvr>
+    <a:masterClrMapping/>
+  </p:clrMapOvr>
+</p:sld>
+</file>
+
+<file path=ppt/slides/slide6.xml><?xml version="1.0" encoding="utf-8"?>
+<p:sld xmlns:a="http://schemas.openxmlformats.org/drawingml/2006/main" xmlns:r="http://schemas.openxmlformats.org/officeDocument/2006/relationships" xmlns:p="http://schemas.openxmlformats.org/presentationml/2006/main">
+  <p:cSld>
+    <p:spTree>
+      <p:nvGrpSpPr>
+        <p:cNvPr id="1" name=""/>
+        <p:cNvGrpSpPr/>
+        <p:nvPr/>
+      </p:nvGrpSpPr>
+      <p:grpSpPr>
+        <a:xfrm>
+          <a:off x="0" y="0"/>
+          <a:ext cx="0" cy="0"/>
+          <a:chOff x="0" y="0"/>
+          <a:chExt cx="0" cy="0"/>
+        </a:xfrm>
+      </p:grpSpPr>
+      <p:sp>
+        <p:nvSpPr>
+          <p:cNvPr id="4" name="Rectángulo 3"/>
+          <p:cNvSpPr/>
+          <p:nvPr/>
+        </p:nvSpPr>
+        <p:spPr>
+          <a:xfrm>
+            <a:off x="0" y="0"/>
+            <a:ext cx="2801389" cy="6858000"/>
+          </a:xfrm>
+          <a:prstGeom prst="rect">
+            <a:avLst/>
+          </a:prstGeom>
+          <a:solidFill>
+            <a:srgbClr val="9C8C72"/>
+          </a:solidFill>
+          <a:ln>
+            <a:noFill/>
+          </a:ln>
+        </p:spPr>
+        <p:style>
+          <a:lnRef idx="2">
+            <a:schemeClr val="accent1">
+              <a:shade val="50000"/>
+            </a:schemeClr>
+          </a:lnRef>
+          <a:fillRef idx="1">
+            <a:schemeClr val="accent1"/>
+          </a:fillRef>
+          <a:effectRef idx="0">
+            <a:schemeClr val="accent1"/>
+          </a:effectRef>
+          <a:fontRef idx="minor">
+            <a:schemeClr val="lt1"/>
+          </a:fontRef>
+        </p:style>
+        <p:txBody>
+          <a:bodyPr rtlCol="0" anchor="t"/>
+          <a:lstStyle/>
+          <a:p>
+            <a:r>
+              <a:rPr lang="es-MX" sz="3200" dirty="0" smtClean="0">
+                <a:effectLst>
+                  <a:outerShdw blurRad="38100" dist="38100" dir="2700000" algn="tl">
+                    <a:srgbClr val="000000">
+                      <a:alpha val="43137"/>
+                    </a:srgbClr>
+                  </a:outerShdw>
+                </a:effectLst>
+                <a:latin typeface="Arial Rounded MT Bold" panose="020F0704030504030204" pitchFamily="34" charset="0"/>
+              </a:rPr>
+              <a:t>Ventas vs MMR (comparado)</a:t>
+            </a:r>
+            <a:endParaRPr lang="en-US" sz="3200" dirty="0">
+              <a:effectLst>
+                <a:outerShdw blurRad="38100" dist="38100" dir="2700000" algn="tl">
+                  <a:srgbClr val="000000">
+                    <a:alpha val="43137"/>
+                  </a:srgbClr>
+                </a:outerShdw>
+              </a:effectLst>
+              <a:latin typeface="Arial Rounded MT Bold" panose="020F0704030504030204" pitchFamily="34" charset="0"/>
+            </a:endParaRPr>
+          </a:p>
+        </p:txBody>
+      </p:sp>
+    </p:spTree>
+    <p:extLst>
+      <p:ext uri="{BB962C8B-B14F-4D97-AF65-F5344CB8AC3E}">
+        <p14:creationId xmlns:p14="http://schemas.microsoft.com/office/powerpoint/2010/main" val="1695157566"/>
+      </p:ext>
+    </p:extLst>
+  </p:cSld>
+  <p:clrMapOvr>
+    <a:masterClrMapping/>
+  </p:clrMapOvr>
+</p:sld>
+</file>
+
+<file path=ppt/slides/slide7.xml><?xml version="1.0" encoding="utf-8"?>
+<p:sld xmlns:a="http://schemas.openxmlformats.org/drawingml/2006/main" xmlns:r="http://schemas.openxmlformats.org/officeDocument/2006/relationships" xmlns:p="http://schemas.openxmlformats.org/presentationml/2006/main">
+  <p:cSld>
+    <p:spTree>
+      <p:nvGrpSpPr>
+        <p:cNvPr id="1" name=""/>
+        <p:cNvGrpSpPr/>
+        <p:nvPr/>
+      </p:nvGrpSpPr>
+      <p:grpSpPr>
+        <a:xfrm>
+          <a:off x="0" y="0"/>
+          <a:ext cx="0" cy="0"/>
+          <a:chOff x="0" y="0"/>
+          <a:chExt cx="0" cy="0"/>
+        </a:xfrm>
+      </p:grpSpPr>
+      <p:sp>
+        <p:nvSpPr>
+          <p:cNvPr id="4" name="Rectángulo 3"/>
+          <p:cNvSpPr/>
+          <p:nvPr/>
+        </p:nvSpPr>
+        <p:spPr>
+          <a:xfrm>
+            <a:off x="0" y="0"/>
+            <a:ext cx="2801389" cy="6858000"/>
+          </a:xfrm>
+          <a:prstGeom prst="rect">
+            <a:avLst/>
+          </a:prstGeom>
+          <a:solidFill>
+            <a:srgbClr val="9C8C72"/>
+          </a:solidFill>
+          <a:ln>
+            <a:noFill/>
+          </a:ln>
+        </p:spPr>
+        <p:style>
+          <a:lnRef idx="2">
+            <a:schemeClr val="accent1">
+              <a:shade val="50000"/>
+            </a:schemeClr>
+          </a:lnRef>
+          <a:fillRef idx="1">
+            <a:schemeClr val="accent1"/>
+          </a:fillRef>
+          <a:effectRef idx="0">
+            <a:schemeClr val="accent1"/>
+          </a:effectRef>
+          <a:fontRef idx="minor">
+            <a:schemeClr val="lt1"/>
+          </a:fontRef>
+        </p:style>
+        <p:txBody>
+          <a:bodyPr rtlCol="0" anchor="t"/>
+          <a:lstStyle/>
+          <a:p>
+            <a:r>
+              <a:rPr lang="es-MX" sz="3200" dirty="0" smtClean="0">
+                <a:effectLst>
+                  <a:outerShdw blurRad="38100" dist="38100" dir="2700000" algn="tl">
+                    <a:srgbClr val="000000">
+                      <a:alpha val="43137"/>
+                    </a:srgbClr>
+                  </a:outerShdw>
+                </a:effectLst>
+                <a:latin typeface="Arial Rounded MT Bold" panose="020F0704030504030204" pitchFamily="34" charset="0"/>
+              </a:rPr>
+              <a:t>Vendedores vs MMR</a:t>
+            </a:r>
+            <a:endParaRPr lang="en-US" sz="3200" dirty="0">
+              <a:effectLst>
+                <a:outerShdw blurRad="38100" dist="38100" dir="2700000" algn="tl">
+                  <a:srgbClr val="000000">
+                    <a:alpha val="43137"/>
+                  </a:srgbClr>
+                </a:outerShdw>
+              </a:effectLst>
+              <a:latin typeface="Arial Rounded MT Bold" panose="020F0704030504030204" pitchFamily="34" charset="0"/>
+            </a:endParaRPr>
+          </a:p>
+        </p:txBody>
+      </p:sp>
+    </p:spTree>
+    <p:extLst>
+      <p:ext uri="{BB962C8B-B14F-4D97-AF65-F5344CB8AC3E}">
+        <p14:creationId xmlns:p14="http://schemas.microsoft.com/office/powerpoint/2010/main" val="133328175"/>
+      </p:ext>
+    </p:extLst>
+  </p:cSld>
+  <p:clrMapOvr>
+    <a:masterClrMapping/>
+  </p:clrMapOvr>
+</p:sld>
+</file>
+
+<file path=ppt/slides/slide8.xml><?xml version="1.0" encoding="utf-8"?>
+<p:sld xmlns:a="http://schemas.openxmlformats.org/drawingml/2006/main" xmlns:r="http://schemas.openxmlformats.org/officeDocument/2006/relationships" xmlns:p="http://schemas.openxmlformats.org/presentationml/2006/main">
+  <p:cSld>
+    <p:spTree>
+      <p:nvGrpSpPr>
+        <p:cNvPr id="1" name=""/>
+        <p:cNvGrpSpPr/>
+        <p:nvPr/>
+      </p:nvGrpSpPr>
+      <p:grpSpPr>
+        <a:xfrm>
+          <a:off x="0" y="0"/>
+          <a:ext cx="0" cy="0"/>
+          <a:chOff x="0" y="0"/>
+          <a:chExt cx="0" cy="0"/>
+        </a:xfrm>
+      </p:grpSpPr>
+      <p:sp>
+        <p:nvSpPr>
+          <p:cNvPr id="4" name="Rectángulo 3"/>
+          <p:cNvSpPr/>
+          <p:nvPr/>
+        </p:nvSpPr>
+        <p:spPr>
+          <a:xfrm>
+            <a:off x="0" y="0"/>
+            <a:ext cx="2801389" cy="6858000"/>
+          </a:xfrm>
+          <a:prstGeom prst="rect">
+            <a:avLst/>
+          </a:prstGeom>
+          <a:solidFill>
+            <a:srgbClr val="9C8C72"/>
+          </a:solidFill>
+          <a:ln>
+            <a:noFill/>
+          </a:ln>
+        </p:spPr>
+        <p:style>
+          <a:lnRef idx="2">
+            <a:schemeClr val="accent1">
+              <a:shade val="50000"/>
+            </a:schemeClr>
+          </a:lnRef>
+          <a:fillRef idx="1">
+            <a:schemeClr val="accent1"/>
+          </a:fillRef>
+          <a:effectRef idx="0">
+            <a:schemeClr val="accent1"/>
+          </a:effectRef>
+          <a:fontRef idx="minor">
+            <a:schemeClr val="lt1"/>
+          </a:fontRef>
+        </p:style>
+        <p:txBody>
+          <a:bodyPr rtlCol="0" anchor="t"/>
+          <a:lstStyle/>
+          <a:p>
+            <a:r>
+              <a:rPr lang="es-MX" sz="3200" dirty="0" smtClean="0">
+                <a:effectLst>
+                  <a:outerShdw blurRad="38100" dist="38100" dir="2700000" algn="tl">
+                    <a:srgbClr val="000000">
+                      <a:alpha val="43137"/>
+                    </a:srgbClr>
+                  </a:outerShdw>
+                </a:effectLst>
+                <a:latin typeface="Arial Rounded MT Bold" panose="020F0704030504030204" pitchFamily="34" charset="0"/>
+              </a:rPr>
+              <a:t>Preferencias </a:t>
+            </a:r>
+            <a:r>
+              <a:rPr lang="es-MX" sz="3200" dirty="0" smtClean="0">
+                <a:effectLst>
+                  <a:outerShdw blurRad="38100" dist="38100" dir="2700000" algn="tl">
+                    <a:srgbClr val="000000">
+                      <a:alpha val="43137"/>
+                    </a:srgbClr>
+                  </a:outerShdw>
+                </a:effectLst>
+                <a:latin typeface="Arial Rounded MT Bold" panose="020F0704030504030204" pitchFamily="34" charset="0"/>
+              </a:rPr>
+              <a:t>(fabricantes)</a:t>
+            </a:r>
+            <a:endParaRPr lang="en-US" sz="3200" dirty="0">
+              <a:effectLst>
+                <a:outerShdw blurRad="38100" dist="38100" dir="2700000" algn="tl">
+                  <a:srgbClr val="000000">
+                    <a:alpha val="43137"/>
+                  </a:srgbClr>
+                </a:outerShdw>
+              </a:effectLst>
+              <a:latin typeface="Arial Rounded MT Bold" panose="020F0704030504030204" pitchFamily="34" charset="0"/>
+            </a:endParaRPr>
+          </a:p>
+        </p:txBody>
+      </p:sp>
+    </p:spTree>
+    <p:extLst>
+      <p:ext uri="{BB962C8B-B14F-4D97-AF65-F5344CB8AC3E}">
+        <p14:creationId xmlns:p14="http://schemas.microsoft.com/office/powerpoint/2010/main" val="2737288091"/>
+      </p:ext>
+    </p:extLst>
+  </p:cSld>
+  <p:clrMapOvr>
+    <a:masterClrMapping/>
+  </p:clrMapOvr>
+</p:sld>
+</file>
+
+<file path=ppt/slides/slide9.xml><?xml version="1.0" encoding="utf-8"?>
+<p:sld xmlns:a="http://schemas.openxmlformats.org/drawingml/2006/main" xmlns:r="http://schemas.openxmlformats.org/officeDocument/2006/relationships" xmlns:p="http://schemas.openxmlformats.org/presentationml/2006/main">
+  <p:cSld>
+    <p:spTree>
+      <p:nvGrpSpPr>
+        <p:cNvPr id="1" name=""/>
+        <p:cNvGrpSpPr/>
+        <p:nvPr/>
+      </p:nvGrpSpPr>
+      <p:grpSpPr>
+        <a:xfrm>
+          <a:off x="0" y="0"/>
+          <a:ext cx="0" cy="0"/>
+          <a:chOff x="0" y="0"/>
+          <a:chExt cx="0" cy="0"/>
+        </a:xfrm>
+      </p:grpSpPr>
+      <p:sp>
+        <p:nvSpPr>
+          <p:cNvPr id="4" name="Rectángulo 3"/>
+          <p:cNvSpPr/>
+          <p:nvPr/>
+        </p:nvSpPr>
+        <p:spPr>
+          <a:xfrm>
+            <a:off x="0" y="0"/>
+            <a:ext cx="2801389" cy="6858000"/>
+          </a:xfrm>
+          <a:prstGeom prst="rect">
+            <a:avLst/>
+          </a:prstGeom>
+          <a:solidFill>
+            <a:srgbClr val="9C8C72"/>
+          </a:solidFill>
+          <a:ln>
+            <a:noFill/>
+          </a:ln>
+        </p:spPr>
+        <p:style>
+          <a:lnRef idx="2">
+            <a:schemeClr val="accent1">
+              <a:shade val="50000"/>
+            </a:schemeClr>
+          </a:lnRef>
+          <a:fillRef idx="1">
+            <a:schemeClr val="accent1"/>
+          </a:fillRef>
+          <a:effectRef idx="0">
+            <a:schemeClr val="accent1"/>
+          </a:effectRef>
+          <a:fontRef idx="minor">
+            <a:schemeClr val="lt1"/>
+          </a:fontRef>
+        </p:style>
+        <p:txBody>
+          <a:bodyPr rtlCol="0" anchor="t"/>
+          <a:lstStyle/>
+          <a:p>
+            <a:r>
+              <a:rPr lang="es-MX" sz="3200" dirty="0" smtClean="0">
+                <a:effectLst>
+                  <a:outerShdw blurRad="38100" dist="38100" dir="2700000" algn="tl">
+                    <a:srgbClr val="000000">
+                      <a:alpha val="43137"/>
+                    </a:srgbClr>
+                  </a:outerShdw>
+                </a:effectLst>
+                <a:latin typeface="Arial Rounded MT Bold" panose="020F0704030504030204" pitchFamily="34" charset="0"/>
+              </a:rPr>
+              <a:t>Preferencias </a:t>
+            </a:r>
+            <a:r>
+              <a:rPr lang="es-MX" sz="3200" dirty="0" smtClean="0">
+                <a:effectLst>
+                  <a:outerShdw blurRad="38100" dist="38100" dir="2700000" algn="tl">
+                    <a:srgbClr val="000000">
+                      <a:alpha val="43137"/>
+                    </a:srgbClr>
+                  </a:outerShdw>
+                </a:effectLst>
+                <a:latin typeface="Arial Rounded MT Bold" panose="020F0704030504030204" pitchFamily="34" charset="0"/>
+              </a:rPr>
+              <a:t>(</a:t>
+            </a:r>
+            <a:r>
+              <a:rPr lang="es-MX" sz="3200" dirty="0" smtClean="0">
+                <a:effectLst>
+                  <a:outerShdw blurRad="38100" dist="38100" dir="2700000" algn="tl">
+                    <a:srgbClr val="000000">
+                      <a:alpha val="43137"/>
+                    </a:srgbClr>
+                  </a:outerShdw>
+                </a:effectLst>
+                <a:latin typeface="Arial Rounded MT Bold" panose="020F0704030504030204" pitchFamily="34" charset="0"/>
+              </a:rPr>
+              <a:t>kilometraje)</a:t>
+            </a:r>
+            <a:endParaRPr lang="en-US" sz="3200" dirty="0">
+              <a:effectLst>
+                <a:outerShdw blurRad="38100" dist="38100" dir="2700000" algn="tl">
+                  <a:srgbClr val="000000">
+                    <a:alpha val="43137"/>
+                  </a:srgbClr>
+                </a:outerShdw>
+              </a:effectLst>
+              <a:latin typeface="Arial Rounded MT Bold" panose="020F0704030504030204" pitchFamily="34" charset="0"/>
+            </a:endParaRPr>
+          </a:p>
+        </p:txBody>
+      </p:sp>
+    </p:spTree>
+    <p:extLst>
+      <p:ext uri="{BB962C8B-B14F-4D97-AF65-F5344CB8AC3E}">
+        <p14:creationId xmlns:p14="http://schemas.microsoft.com/office/powerpoint/2010/main" val="1827534207"/>
       </p:ext>
     </p:extLst>
   </p:cSld>
